--- a/ppt 16-9/1600.靠着耶稣圣名.pptx
+++ b/ppt 16-9/1600.靠着耶稣圣名.pptx
@@ -129,7 +129,7 @@
           <p:cNvPr id="2" name="标题 1">
             <a:extLst>
               <a:ext uri="{FF2B5EF4-FFF2-40B4-BE49-F238E27FC236}">
-                <a16:creationId xmlns:a16="http://schemas.microsoft.com/office/drawing/2014/main" id="{0983CFFB-44CF-75F3-99D2-3CF82F192DD6}"/>
+                <a16:creationId xmlns:a16="http://schemas.microsoft.com/office/drawing/2014/main" id="{EA5A79E7-5E5C-DAA8-3B72-DF4DADEE4FE2}"/>
               </a:ext>
             </a:extLst>
           </p:cNvPr>
@@ -166,7 +166,7 @@
           <p:cNvPr id="3" name="副标题 2">
             <a:extLst>
               <a:ext uri="{FF2B5EF4-FFF2-40B4-BE49-F238E27FC236}">
-                <a16:creationId xmlns:a16="http://schemas.microsoft.com/office/drawing/2014/main" id="{3F918F5A-E4EA-2C4F-625F-4C73856969C6}"/>
+                <a16:creationId xmlns:a16="http://schemas.microsoft.com/office/drawing/2014/main" id="{EC45AA3A-27A0-8482-BEAD-215E6735588F}"/>
               </a:ext>
             </a:extLst>
           </p:cNvPr>
@@ -236,7 +236,7 @@
           <p:cNvPr id="4" name="日期占位符 3">
             <a:extLst>
               <a:ext uri="{FF2B5EF4-FFF2-40B4-BE49-F238E27FC236}">
-                <a16:creationId xmlns:a16="http://schemas.microsoft.com/office/drawing/2014/main" id="{D3ABA8BD-4249-23A0-5D32-A0CD0019FC53}"/>
+                <a16:creationId xmlns:a16="http://schemas.microsoft.com/office/drawing/2014/main" id="{2FDC0278-2468-3C3F-4096-ED34BC4C65A0}"/>
               </a:ext>
             </a:extLst>
           </p:cNvPr>
@@ -252,7 +252,7 @@
           <a:bodyPr/>
           <a:lstStyle/>
           <a:p>
-            <a:fld id="{CA048CBD-8DBB-4817-80E3-20E284E36B13}" type="datetimeFigureOut">
+            <a:fld id="{151133AB-E61D-496A-AF0E-073191ACEFD1}" type="datetimeFigureOut">
               <a:rPr lang="zh-CN" altLang="en-US" smtClean="0"/>
               <a:t>2024/3/10</a:t>
             </a:fld>
@@ -265,7 +265,7 @@
           <p:cNvPr id="5" name="页脚占位符 4">
             <a:extLst>
               <a:ext uri="{FF2B5EF4-FFF2-40B4-BE49-F238E27FC236}">
-                <a16:creationId xmlns:a16="http://schemas.microsoft.com/office/drawing/2014/main" id="{60D1A078-5B2E-CD65-AFD8-E42AA584C1FD}"/>
+                <a16:creationId xmlns:a16="http://schemas.microsoft.com/office/drawing/2014/main" id="{C1A485D6-3BE3-C6D0-1FDE-AA049519E3B2}"/>
               </a:ext>
             </a:extLst>
           </p:cNvPr>
@@ -290,7 +290,7 @@
           <p:cNvPr id="6" name="灯片编号占位符 5">
             <a:extLst>
               <a:ext uri="{FF2B5EF4-FFF2-40B4-BE49-F238E27FC236}">
-                <a16:creationId xmlns:a16="http://schemas.microsoft.com/office/drawing/2014/main" id="{83F3993F-7098-DF89-3B4B-48C0FB9BC7D9}"/>
+                <a16:creationId xmlns:a16="http://schemas.microsoft.com/office/drawing/2014/main" id="{E7823649-13EE-4BF9-6C8E-C6A560652832}"/>
               </a:ext>
             </a:extLst>
           </p:cNvPr>
@@ -306,7 +306,7 @@
           <a:bodyPr/>
           <a:lstStyle/>
           <a:p>
-            <a:fld id="{F3D6FFE5-CC55-4568-B57A-92AB8C185E76}" type="slidenum">
+            <a:fld id="{95C31E97-C7F2-42FA-BFD7-C96529B2464B}" type="slidenum">
               <a:rPr lang="zh-CN" altLang="en-US" smtClean="0"/>
               <a:t>‹#›</a:t>
             </a:fld>
@@ -317,7 +317,7 @@
     </p:spTree>
     <p:extLst>
       <p:ext uri="{BB962C8B-B14F-4D97-AF65-F5344CB8AC3E}">
-        <p14:creationId xmlns:p14="http://schemas.microsoft.com/office/powerpoint/2010/main" val="478063905"/>
+        <p14:creationId xmlns:p14="http://schemas.microsoft.com/office/powerpoint/2010/main" val="3162420649"/>
       </p:ext>
     </p:extLst>
   </p:cSld>
@@ -349,7 +349,7 @@
           <p:cNvPr id="2" name="标题 1">
             <a:extLst>
               <a:ext uri="{FF2B5EF4-FFF2-40B4-BE49-F238E27FC236}">
-                <a16:creationId xmlns:a16="http://schemas.microsoft.com/office/drawing/2014/main" id="{DE17BBB6-67B2-C9B9-7B24-872F7E2A800D}"/>
+                <a16:creationId xmlns:a16="http://schemas.microsoft.com/office/drawing/2014/main" id="{6E01A718-4A50-2D1D-DA0E-F23D47ACEFF5}"/>
               </a:ext>
             </a:extLst>
           </p:cNvPr>
@@ -377,7 +377,7 @@
           <p:cNvPr id="3" name="竖排文字占位符 2">
             <a:extLst>
               <a:ext uri="{FF2B5EF4-FFF2-40B4-BE49-F238E27FC236}">
-                <a16:creationId xmlns:a16="http://schemas.microsoft.com/office/drawing/2014/main" id="{575AE8AA-F7C5-B822-84BF-986599B55E7B}"/>
+                <a16:creationId xmlns:a16="http://schemas.microsoft.com/office/drawing/2014/main" id="{6A739C97-A8EB-6575-0F68-87A59BBE8008}"/>
               </a:ext>
             </a:extLst>
           </p:cNvPr>
@@ -434,7 +434,7 @@
           <p:cNvPr id="4" name="日期占位符 3">
             <a:extLst>
               <a:ext uri="{FF2B5EF4-FFF2-40B4-BE49-F238E27FC236}">
-                <a16:creationId xmlns:a16="http://schemas.microsoft.com/office/drawing/2014/main" id="{19BF1D43-C160-C9DD-BAF9-60E042C0E019}"/>
+                <a16:creationId xmlns:a16="http://schemas.microsoft.com/office/drawing/2014/main" id="{6CB28FAA-F373-4C7F-DDF8-FC9E578C4AC1}"/>
               </a:ext>
             </a:extLst>
           </p:cNvPr>
@@ -450,7 +450,7 @@
           <a:bodyPr/>
           <a:lstStyle/>
           <a:p>
-            <a:fld id="{CA048CBD-8DBB-4817-80E3-20E284E36B13}" type="datetimeFigureOut">
+            <a:fld id="{151133AB-E61D-496A-AF0E-073191ACEFD1}" type="datetimeFigureOut">
               <a:rPr lang="zh-CN" altLang="en-US" smtClean="0"/>
               <a:t>2024/3/10</a:t>
             </a:fld>
@@ -463,7 +463,7 @@
           <p:cNvPr id="5" name="页脚占位符 4">
             <a:extLst>
               <a:ext uri="{FF2B5EF4-FFF2-40B4-BE49-F238E27FC236}">
-                <a16:creationId xmlns:a16="http://schemas.microsoft.com/office/drawing/2014/main" id="{AB1B392C-F467-8DDF-F1F5-50CCFE193B29}"/>
+                <a16:creationId xmlns:a16="http://schemas.microsoft.com/office/drawing/2014/main" id="{0A28887C-BE3A-B75C-3EA1-FF60E714F377}"/>
               </a:ext>
             </a:extLst>
           </p:cNvPr>
@@ -488,7 +488,7 @@
           <p:cNvPr id="6" name="灯片编号占位符 5">
             <a:extLst>
               <a:ext uri="{FF2B5EF4-FFF2-40B4-BE49-F238E27FC236}">
-                <a16:creationId xmlns:a16="http://schemas.microsoft.com/office/drawing/2014/main" id="{37B10B69-1DF9-72E5-13CC-DADB36ABF958}"/>
+                <a16:creationId xmlns:a16="http://schemas.microsoft.com/office/drawing/2014/main" id="{03824197-4BD7-592B-F49C-C1A922DCAB2E}"/>
               </a:ext>
             </a:extLst>
           </p:cNvPr>
@@ -504,7 +504,7 @@
           <a:bodyPr/>
           <a:lstStyle/>
           <a:p>
-            <a:fld id="{F3D6FFE5-CC55-4568-B57A-92AB8C185E76}" type="slidenum">
+            <a:fld id="{95C31E97-C7F2-42FA-BFD7-C96529B2464B}" type="slidenum">
               <a:rPr lang="zh-CN" altLang="en-US" smtClean="0"/>
               <a:t>‹#›</a:t>
             </a:fld>
@@ -515,7 +515,7 @@
     </p:spTree>
     <p:extLst>
       <p:ext uri="{BB962C8B-B14F-4D97-AF65-F5344CB8AC3E}">
-        <p14:creationId xmlns:p14="http://schemas.microsoft.com/office/powerpoint/2010/main" val="68835715"/>
+        <p14:creationId xmlns:p14="http://schemas.microsoft.com/office/powerpoint/2010/main" val="1880631306"/>
       </p:ext>
     </p:extLst>
   </p:cSld>
@@ -547,7 +547,7 @@
           <p:cNvPr id="2" name="竖排标题 1">
             <a:extLst>
               <a:ext uri="{FF2B5EF4-FFF2-40B4-BE49-F238E27FC236}">
-                <a16:creationId xmlns:a16="http://schemas.microsoft.com/office/drawing/2014/main" id="{D020A2DF-0CAB-D0D5-A97D-044CDC1DE6B5}"/>
+                <a16:creationId xmlns:a16="http://schemas.microsoft.com/office/drawing/2014/main" id="{170B859F-9343-B436-69A7-846415D0087A}"/>
               </a:ext>
             </a:extLst>
           </p:cNvPr>
@@ -580,7 +580,7 @@
           <p:cNvPr id="3" name="竖排文字占位符 2">
             <a:extLst>
               <a:ext uri="{FF2B5EF4-FFF2-40B4-BE49-F238E27FC236}">
-                <a16:creationId xmlns:a16="http://schemas.microsoft.com/office/drawing/2014/main" id="{D2384A5E-F02A-33BB-11BF-4B94D17DF5AA}"/>
+                <a16:creationId xmlns:a16="http://schemas.microsoft.com/office/drawing/2014/main" id="{6919010A-C566-6EAE-D886-4D5FDAFBCFB3}"/>
               </a:ext>
             </a:extLst>
           </p:cNvPr>
@@ -642,7 +642,7 @@
           <p:cNvPr id="4" name="日期占位符 3">
             <a:extLst>
               <a:ext uri="{FF2B5EF4-FFF2-40B4-BE49-F238E27FC236}">
-                <a16:creationId xmlns:a16="http://schemas.microsoft.com/office/drawing/2014/main" id="{5585EF79-2116-0718-B95C-F4067F643C9E}"/>
+                <a16:creationId xmlns:a16="http://schemas.microsoft.com/office/drawing/2014/main" id="{56C45DAE-CD4B-26F5-33DA-9A6C0B6B6C1F}"/>
               </a:ext>
             </a:extLst>
           </p:cNvPr>
@@ -658,7 +658,7 @@
           <a:bodyPr/>
           <a:lstStyle/>
           <a:p>
-            <a:fld id="{CA048CBD-8DBB-4817-80E3-20E284E36B13}" type="datetimeFigureOut">
+            <a:fld id="{151133AB-E61D-496A-AF0E-073191ACEFD1}" type="datetimeFigureOut">
               <a:rPr lang="zh-CN" altLang="en-US" smtClean="0"/>
               <a:t>2024/3/10</a:t>
             </a:fld>
@@ -671,7 +671,7 @@
           <p:cNvPr id="5" name="页脚占位符 4">
             <a:extLst>
               <a:ext uri="{FF2B5EF4-FFF2-40B4-BE49-F238E27FC236}">
-                <a16:creationId xmlns:a16="http://schemas.microsoft.com/office/drawing/2014/main" id="{B3FFD203-74C8-75AE-CEDC-1D8BFECFF95C}"/>
+                <a16:creationId xmlns:a16="http://schemas.microsoft.com/office/drawing/2014/main" id="{AAE78BAD-FD05-E47B-39F8-63CC4FA581B5}"/>
               </a:ext>
             </a:extLst>
           </p:cNvPr>
@@ -696,7 +696,7 @@
           <p:cNvPr id="6" name="灯片编号占位符 5">
             <a:extLst>
               <a:ext uri="{FF2B5EF4-FFF2-40B4-BE49-F238E27FC236}">
-                <a16:creationId xmlns:a16="http://schemas.microsoft.com/office/drawing/2014/main" id="{6D5920EE-8C71-37EE-F209-33798B69FE4C}"/>
+                <a16:creationId xmlns:a16="http://schemas.microsoft.com/office/drawing/2014/main" id="{5664E0DD-64BE-491A-2D78-524837CE2808}"/>
               </a:ext>
             </a:extLst>
           </p:cNvPr>
@@ -712,7 +712,7 @@
           <a:bodyPr/>
           <a:lstStyle/>
           <a:p>
-            <a:fld id="{F3D6FFE5-CC55-4568-B57A-92AB8C185E76}" type="slidenum">
+            <a:fld id="{95C31E97-C7F2-42FA-BFD7-C96529B2464B}" type="slidenum">
               <a:rPr lang="zh-CN" altLang="en-US" smtClean="0"/>
               <a:t>‹#›</a:t>
             </a:fld>
@@ -723,7 +723,7 @@
     </p:spTree>
     <p:extLst>
       <p:ext uri="{BB962C8B-B14F-4D97-AF65-F5344CB8AC3E}">
-        <p14:creationId xmlns:p14="http://schemas.microsoft.com/office/powerpoint/2010/main" val="631790458"/>
+        <p14:creationId xmlns:p14="http://schemas.microsoft.com/office/powerpoint/2010/main" val="1054318469"/>
       </p:ext>
     </p:extLst>
   </p:cSld>
@@ -755,7 +755,7 @@
           <p:cNvPr id="2" name="标题 1">
             <a:extLst>
               <a:ext uri="{FF2B5EF4-FFF2-40B4-BE49-F238E27FC236}">
-                <a16:creationId xmlns:a16="http://schemas.microsoft.com/office/drawing/2014/main" id="{F84B8BAF-5C49-6E3D-1E05-E93DCD2AF580}"/>
+                <a16:creationId xmlns:a16="http://schemas.microsoft.com/office/drawing/2014/main" id="{BA2F54C2-8E05-2973-F36B-24FA51995179}"/>
               </a:ext>
             </a:extLst>
           </p:cNvPr>
@@ -783,7 +783,7 @@
           <p:cNvPr id="3" name="内容占位符 2">
             <a:extLst>
               <a:ext uri="{FF2B5EF4-FFF2-40B4-BE49-F238E27FC236}">
-                <a16:creationId xmlns:a16="http://schemas.microsoft.com/office/drawing/2014/main" id="{73FD55CA-2212-4988-7AFF-F70C65BB46B2}"/>
+                <a16:creationId xmlns:a16="http://schemas.microsoft.com/office/drawing/2014/main" id="{4AC2C4F5-7D2E-75A7-51D2-A17CE5141400}"/>
               </a:ext>
             </a:extLst>
           </p:cNvPr>
@@ -840,7 +840,7 @@
           <p:cNvPr id="4" name="日期占位符 3">
             <a:extLst>
               <a:ext uri="{FF2B5EF4-FFF2-40B4-BE49-F238E27FC236}">
-                <a16:creationId xmlns:a16="http://schemas.microsoft.com/office/drawing/2014/main" id="{D90A7A3E-27A4-AF42-D92D-769FE99CDB71}"/>
+                <a16:creationId xmlns:a16="http://schemas.microsoft.com/office/drawing/2014/main" id="{0CEEB17E-9B7B-1054-DDC8-5441D040C555}"/>
               </a:ext>
             </a:extLst>
           </p:cNvPr>
@@ -856,7 +856,7 @@
           <a:bodyPr/>
           <a:lstStyle/>
           <a:p>
-            <a:fld id="{CA048CBD-8DBB-4817-80E3-20E284E36B13}" type="datetimeFigureOut">
+            <a:fld id="{151133AB-E61D-496A-AF0E-073191ACEFD1}" type="datetimeFigureOut">
               <a:rPr lang="zh-CN" altLang="en-US" smtClean="0"/>
               <a:t>2024/3/10</a:t>
             </a:fld>
@@ -869,7 +869,7 @@
           <p:cNvPr id="5" name="页脚占位符 4">
             <a:extLst>
               <a:ext uri="{FF2B5EF4-FFF2-40B4-BE49-F238E27FC236}">
-                <a16:creationId xmlns:a16="http://schemas.microsoft.com/office/drawing/2014/main" id="{592313EB-A016-F8B0-E775-D9DF3F2BEF4C}"/>
+                <a16:creationId xmlns:a16="http://schemas.microsoft.com/office/drawing/2014/main" id="{51B6739C-1AF6-BEED-1637-1DA2E69278B0}"/>
               </a:ext>
             </a:extLst>
           </p:cNvPr>
@@ -894,7 +894,7 @@
           <p:cNvPr id="6" name="灯片编号占位符 5">
             <a:extLst>
               <a:ext uri="{FF2B5EF4-FFF2-40B4-BE49-F238E27FC236}">
-                <a16:creationId xmlns:a16="http://schemas.microsoft.com/office/drawing/2014/main" id="{C152CB98-31E8-0AD6-8955-20D495291782}"/>
+                <a16:creationId xmlns:a16="http://schemas.microsoft.com/office/drawing/2014/main" id="{A762B408-BED9-9684-1E5E-67BF86FE1A26}"/>
               </a:ext>
             </a:extLst>
           </p:cNvPr>
@@ -910,7 +910,7 @@
           <a:bodyPr/>
           <a:lstStyle/>
           <a:p>
-            <a:fld id="{F3D6FFE5-CC55-4568-B57A-92AB8C185E76}" type="slidenum">
+            <a:fld id="{95C31E97-C7F2-42FA-BFD7-C96529B2464B}" type="slidenum">
               <a:rPr lang="zh-CN" altLang="en-US" smtClean="0"/>
               <a:t>‹#›</a:t>
             </a:fld>
@@ -921,7 +921,7 @@
     </p:spTree>
     <p:extLst>
       <p:ext uri="{BB962C8B-B14F-4D97-AF65-F5344CB8AC3E}">
-        <p14:creationId xmlns:p14="http://schemas.microsoft.com/office/powerpoint/2010/main" val="3799435666"/>
+        <p14:creationId xmlns:p14="http://schemas.microsoft.com/office/powerpoint/2010/main" val="1845753106"/>
       </p:ext>
     </p:extLst>
   </p:cSld>
@@ -953,7 +953,7 @@
           <p:cNvPr id="2" name="标题 1">
             <a:extLst>
               <a:ext uri="{FF2B5EF4-FFF2-40B4-BE49-F238E27FC236}">
-                <a16:creationId xmlns:a16="http://schemas.microsoft.com/office/drawing/2014/main" id="{ADC8FFBD-0A9F-92AD-6EDB-B57F77697131}"/>
+                <a16:creationId xmlns:a16="http://schemas.microsoft.com/office/drawing/2014/main" id="{540A64B3-739A-9173-6A6A-42876E98E884}"/>
               </a:ext>
             </a:extLst>
           </p:cNvPr>
@@ -990,7 +990,7 @@
           <p:cNvPr id="3" name="文本占位符 2">
             <a:extLst>
               <a:ext uri="{FF2B5EF4-FFF2-40B4-BE49-F238E27FC236}">
-                <a16:creationId xmlns:a16="http://schemas.microsoft.com/office/drawing/2014/main" id="{8E9FC2D2-0731-3E0C-6EB5-A0DA0D0FB27D}"/>
+                <a16:creationId xmlns:a16="http://schemas.microsoft.com/office/drawing/2014/main" id="{99EEDD0F-9662-5848-5590-05F723788C85}"/>
               </a:ext>
             </a:extLst>
           </p:cNvPr>
@@ -1115,7 +1115,7 @@
           <p:cNvPr id="4" name="日期占位符 3">
             <a:extLst>
               <a:ext uri="{FF2B5EF4-FFF2-40B4-BE49-F238E27FC236}">
-                <a16:creationId xmlns:a16="http://schemas.microsoft.com/office/drawing/2014/main" id="{6B2637DD-71A3-CA69-C56E-4AB6477B2958}"/>
+                <a16:creationId xmlns:a16="http://schemas.microsoft.com/office/drawing/2014/main" id="{0532F8BA-B113-F518-CE5E-1699A9DC202D}"/>
               </a:ext>
             </a:extLst>
           </p:cNvPr>
@@ -1131,7 +1131,7 @@
           <a:bodyPr/>
           <a:lstStyle/>
           <a:p>
-            <a:fld id="{CA048CBD-8DBB-4817-80E3-20E284E36B13}" type="datetimeFigureOut">
+            <a:fld id="{151133AB-E61D-496A-AF0E-073191ACEFD1}" type="datetimeFigureOut">
               <a:rPr lang="zh-CN" altLang="en-US" smtClean="0"/>
               <a:t>2024/3/10</a:t>
             </a:fld>
@@ -1144,7 +1144,7 @@
           <p:cNvPr id="5" name="页脚占位符 4">
             <a:extLst>
               <a:ext uri="{FF2B5EF4-FFF2-40B4-BE49-F238E27FC236}">
-                <a16:creationId xmlns:a16="http://schemas.microsoft.com/office/drawing/2014/main" id="{A4095000-9A47-12F5-8C28-AC33507A95A9}"/>
+                <a16:creationId xmlns:a16="http://schemas.microsoft.com/office/drawing/2014/main" id="{3C41ACEA-EB9B-F7F2-16B9-A037F1D5EA46}"/>
               </a:ext>
             </a:extLst>
           </p:cNvPr>
@@ -1169,7 +1169,7 @@
           <p:cNvPr id="6" name="灯片编号占位符 5">
             <a:extLst>
               <a:ext uri="{FF2B5EF4-FFF2-40B4-BE49-F238E27FC236}">
-                <a16:creationId xmlns:a16="http://schemas.microsoft.com/office/drawing/2014/main" id="{E15363B9-299C-B584-A3CF-1FD00F1C0484}"/>
+                <a16:creationId xmlns:a16="http://schemas.microsoft.com/office/drawing/2014/main" id="{E641EAD5-E9CB-0F14-F30B-9C4A0F1A78D8}"/>
               </a:ext>
             </a:extLst>
           </p:cNvPr>
@@ -1185,7 +1185,7 @@
           <a:bodyPr/>
           <a:lstStyle/>
           <a:p>
-            <a:fld id="{F3D6FFE5-CC55-4568-B57A-92AB8C185E76}" type="slidenum">
+            <a:fld id="{95C31E97-C7F2-42FA-BFD7-C96529B2464B}" type="slidenum">
               <a:rPr lang="zh-CN" altLang="en-US" smtClean="0"/>
               <a:t>‹#›</a:t>
             </a:fld>
@@ -1196,7 +1196,7 @@
     </p:spTree>
     <p:extLst>
       <p:ext uri="{BB962C8B-B14F-4D97-AF65-F5344CB8AC3E}">
-        <p14:creationId xmlns:p14="http://schemas.microsoft.com/office/powerpoint/2010/main" val="1980088182"/>
+        <p14:creationId xmlns:p14="http://schemas.microsoft.com/office/powerpoint/2010/main" val="1226818866"/>
       </p:ext>
     </p:extLst>
   </p:cSld>
@@ -1228,7 +1228,7 @@
           <p:cNvPr id="2" name="标题 1">
             <a:extLst>
               <a:ext uri="{FF2B5EF4-FFF2-40B4-BE49-F238E27FC236}">
-                <a16:creationId xmlns:a16="http://schemas.microsoft.com/office/drawing/2014/main" id="{AF60B241-C4FD-ABB5-4071-65E54B711508}"/>
+                <a16:creationId xmlns:a16="http://schemas.microsoft.com/office/drawing/2014/main" id="{9C85D318-C1C2-397C-5FF9-0AFB37CD66C2}"/>
               </a:ext>
             </a:extLst>
           </p:cNvPr>
@@ -1256,7 +1256,7 @@
           <p:cNvPr id="3" name="内容占位符 2">
             <a:extLst>
               <a:ext uri="{FF2B5EF4-FFF2-40B4-BE49-F238E27FC236}">
-                <a16:creationId xmlns:a16="http://schemas.microsoft.com/office/drawing/2014/main" id="{FB09EB11-006D-DB56-47F0-27A861A3D118}"/>
+                <a16:creationId xmlns:a16="http://schemas.microsoft.com/office/drawing/2014/main" id="{CAB865FD-9457-7978-9499-FF6437662322}"/>
               </a:ext>
             </a:extLst>
           </p:cNvPr>
@@ -1318,7 +1318,7 @@
           <p:cNvPr id="4" name="内容占位符 3">
             <a:extLst>
               <a:ext uri="{FF2B5EF4-FFF2-40B4-BE49-F238E27FC236}">
-                <a16:creationId xmlns:a16="http://schemas.microsoft.com/office/drawing/2014/main" id="{352FA2D1-FB0C-656A-B0E8-A35DA67EEFB6}"/>
+                <a16:creationId xmlns:a16="http://schemas.microsoft.com/office/drawing/2014/main" id="{70BCF91A-FAC5-8462-C912-42718341A23B}"/>
               </a:ext>
             </a:extLst>
           </p:cNvPr>
@@ -1380,7 +1380,7 @@
           <p:cNvPr id="5" name="日期占位符 4">
             <a:extLst>
               <a:ext uri="{FF2B5EF4-FFF2-40B4-BE49-F238E27FC236}">
-                <a16:creationId xmlns:a16="http://schemas.microsoft.com/office/drawing/2014/main" id="{F3562813-D63F-A11C-9D88-532EBD02AE30}"/>
+                <a16:creationId xmlns:a16="http://schemas.microsoft.com/office/drawing/2014/main" id="{1D83CACC-D4C8-0C10-EFBF-D852028FF72A}"/>
               </a:ext>
             </a:extLst>
           </p:cNvPr>
@@ -1396,7 +1396,7 @@
           <a:bodyPr/>
           <a:lstStyle/>
           <a:p>
-            <a:fld id="{CA048CBD-8DBB-4817-80E3-20E284E36B13}" type="datetimeFigureOut">
+            <a:fld id="{151133AB-E61D-496A-AF0E-073191ACEFD1}" type="datetimeFigureOut">
               <a:rPr lang="zh-CN" altLang="en-US" smtClean="0"/>
               <a:t>2024/3/10</a:t>
             </a:fld>
@@ -1409,7 +1409,7 @@
           <p:cNvPr id="6" name="页脚占位符 5">
             <a:extLst>
               <a:ext uri="{FF2B5EF4-FFF2-40B4-BE49-F238E27FC236}">
-                <a16:creationId xmlns:a16="http://schemas.microsoft.com/office/drawing/2014/main" id="{7A30D3B7-D7D9-41B6-66C7-FA7AAF0ACE10}"/>
+                <a16:creationId xmlns:a16="http://schemas.microsoft.com/office/drawing/2014/main" id="{B034F9EE-876E-6D8E-E3BC-7CF734EC4ACB}"/>
               </a:ext>
             </a:extLst>
           </p:cNvPr>
@@ -1434,7 +1434,7 @@
           <p:cNvPr id="7" name="灯片编号占位符 6">
             <a:extLst>
               <a:ext uri="{FF2B5EF4-FFF2-40B4-BE49-F238E27FC236}">
-                <a16:creationId xmlns:a16="http://schemas.microsoft.com/office/drawing/2014/main" id="{568AB933-5810-B260-7664-8BA59CADC949}"/>
+                <a16:creationId xmlns:a16="http://schemas.microsoft.com/office/drawing/2014/main" id="{C85DC06E-D2AC-4071-2663-B1563FE0B278}"/>
               </a:ext>
             </a:extLst>
           </p:cNvPr>
@@ -1450,7 +1450,7 @@
           <a:bodyPr/>
           <a:lstStyle/>
           <a:p>
-            <a:fld id="{F3D6FFE5-CC55-4568-B57A-92AB8C185E76}" type="slidenum">
+            <a:fld id="{95C31E97-C7F2-42FA-BFD7-C96529B2464B}" type="slidenum">
               <a:rPr lang="zh-CN" altLang="en-US" smtClean="0"/>
               <a:t>‹#›</a:t>
             </a:fld>
@@ -1461,7 +1461,7 @@
     </p:spTree>
     <p:extLst>
       <p:ext uri="{BB962C8B-B14F-4D97-AF65-F5344CB8AC3E}">
-        <p14:creationId xmlns:p14="http://schemas.microsoft.com/office/powerpoint/2010/main" val="936259996"/>
+        <p14:creationId xmlns:p14="http://schemas.microsoft.com/office/powerpoint/2010/main" val="1486468417"/>
       </p:ext>
     </p:extLst>
   </p:cSld>
@@ -1493,7 +1493,7 @@
           <p:cNvPr id="2" name="标题 1">
             <a:extLst>
               <a:ext uri="{FF2B5EF4-FFF2-40B4-BE49-F238E27FC236}">
-                <a16:creationId xmlns:a16="http://schemas.microsoft.com/office/drawing/2014/main" id="{811B985C-6835-38FD-007C-493612355B0B}"/>
+                <a16:creationId xmlns:a16="http://schemas.microsoft.com/office/drawing/2014/main" id="{F53D6510-81F8-57DF-228B-947037E8B08A}"/>
               </a:ext>
             </a:extLst>
           </p:cNvPr>
@@ -1526,7 +1526,7 @@
           <p:cNvPr id="3" name="文本占位符 2">
             <a:extLst>
               <a:ext uri="{FF2B5EF4-FFF2-40B4-BE49-F238E27FC236}">
-                <a16:creationId xmlns:a16="http://schemas.microsoft.com/office/drawing/2014/main" id="{5A4D5652-7977-FB6B-955B-512962E2775C}"/>
+                <a16:creationId xmlns:a16="http://schemas.microsoft.com/office/drawing/2014/main" id="{FBA842CE-31DA-5B56-00C6-67F4CB4A1865}"/>
               </a:ext>
             </a:extLst>
           </p:cNvPr>
@@ -1597,7 +1597,7 @@
           <p:cNvPr id="4" name="内容占位符 3">
             <a:extLst>
               <a:ext uri="{FF2B5EF4-FFF2-40B4-BE49-F238E27FC236}">
-                <a16:creationId xmlns:a16="http://schemas.microsoft.com/office/drawing/2014/main" id="{A4309FCC-8DD0-137E-D6DA-ACE1EC40ACD6}"/>
+                <a16:creationId xmlns:a16="http://schemas.microsoft.com/office/drawing/2014/main" id="{DD66DB7E-6BA2-4E17-5A24-DEA4761302FA}"/>
               </a:ext>
             </a:extLst>
           </p:cNvPr>
@@ -1659,7 +1659,7 @@
           <p:cNvPr id="5" name="文本占位符 4">
             <a:extLst>
               <a:ext uri="{FF2B5EF4-FFF2-40B4-BE49-F238E27FC236}">
-                <a16:creationId xmlns:a16="http://schemas.microsoft.com/office/drawing/2014/main" id="{AD654F84-D7EB-EB05-6287-FBB4D182186A}"/>
+                <a16:creationId xmlns:a16="http://schemas.microsoft.com/office/drawing/2014/main" id="{922134FD-672A-B96F-3BF9-24111F6A069D}"/>
               </a:ext>
             </a:extLst>
           </p:cNvPr>
@@ -1730,7 +1730,7 @@
           <p:cNvPr id="6" name="内容占位符 5">
             <a:extLst>
               <a:ext uri="{FF2B5EF4-FFF2-40B4-BE49-F238E27FC236}">
-                <a16:creationId xmlns:a16="http://schemas.microsoft.com/office/drawing/2014/main" id="{C855D111-7923-7C76-664B-5FD3F191FB82}"/>
+                <a16:creationId xmlns:a16="http://schemas.microsoft.com/office/drawing/2014/main" id="{CC84119E-F0A6-4502-DF1B-2A142DF20395}"/>
               </a:ext>
             </a:extLst>
           </p:cNvPr>
@@ -1792,7 +1792,7 @@
           <p:cNvPr id="7" name="日期占位符 6">
             <a:extLst>
               <a:ext uri="{FF2B5EF4-FFF2-40B4-BE49-F238E27FC236}">
-                <a16:creationId xmlns:a16="http://schemas.microsoft.com/office/drawing/2014/main" id="{348CA881-DE1F-6CDE-DF41-B1948D8A364E}"/>
+                <a16:creationId xmlns:a16="http://schemas.microsoft.com/office/drawing/2014/main" id="{721049B3-6111-AFB1-1941-8918D8752E8B}"/>
               </a:ext>
             </a:extLst>
           </p:cNvPr>
@@ -1808,7 +1808,7 @@
           <a:bodyPr/>
           <a:lstStyle/>
           <a:p>
-            <a:fld id="{CA048CBD-8DBB-4817-80E3-20E284E36B13}" type="datetimeFigureOut">
+            <a:fld id="{151133AB-E61D-496A-AF0E-073191ACEFD1}" type="datetimeFigureOut">
               <a:rPr lang="zh-CN" altLang="en-US" smtClean="0"/>
               <a:t>2024/3/10</a:t>
             </a:fld>
@@ -1821,7 +1821,7 @@
           <p:cNvPr id="8" name="页脚占位符 7">
             <a:extLst>
               <a:ext uri="{FF2B5EF4-FFF2-40B4-BE49-F238E27FC236}">
-                <a16:creationId xmlns:a16="http://schemas.microsoft.com/office/drawing/2014/main" id="{E6D184AC-5316-14C6-94E7-BBA53073819F}"/>
+                <a16:creationId xmlns:a16="http://schemas.microsoft.com/office/drawing/2014/main" id="{53A87D57-0E3B-A2D1-C33E-D7BC5B7EC39A}"/>
               </a:ext>
             </a:extLst>
           </p:cNvPr>
@@ -1846,7 +1846,7 @@
           <p:cNvPr id="9" name="灯片编号占位符 8">
             <a:extLst>
               <a:ext uri="{FF2B5EF4-FFF2-40B4-BE49-F238E27FC236}">
-                <a16:creationId xmlns:a16="http://schemas.microsoft.com/office/drawing/2014/main" id="{82CF5D2D-0C2C-6085-F706-359EE71976F6}"/>
+                <a16:creationId xmlns:a16="http://schemas.microsoft.com/office/drawing/2014/main" id="{A647FE02-E1E2-236C-9A28-7F01658AEE06}"/>
               </a:ext>
             </a:extLst>
           </p:cNvPr>
@@ -1862,7 +1862,7 @@
           <a:bodyPr/>
           <a:lstStyle/>
           <a:p>
-            <a:fld id="{F3D6FFE5-CC55-4568-B57A-92AB8C185E76}" type="slidenum">
+            <a:fld id="{95C31E97-C7F2-42FA-BFD7-C96529B2464B}" type="slidenum">
               <a:rPr lang="zh-CN" altLang="en-US" smtClean="0"/>
               <a:t>‹#›</a:t>
             </a:fld>
@@ -1873,7 +1873,7 @@
     </p:spTree>
     <p:extLst>
       <p:ext uri="{BB962C8B-B14F-4D97-AF65-F5344CB8AC3E}">
-        <p14:creationId xmlns:p14="http://schemas.microsoft.com/office/powerpoint/2010/main" val="2892575883"/>
+        <p14:creationId xmlns:p14="http://schemas.microsoft.com/office/powerpoint/2010/main" val="472388272"/>
       </p:ext>
     </p:extLst>
   </p:cSld>
@@ -1905,7 +1905,7 @@
           <p:cNvPr id="2" name="标题 1">
             <a:extLst>
               <a:ext uri="{FF2B5EF4-FFF2-40B4-BE49-F238E27FC236}">
-                <a16:creationId xmlns:a16="http://schemas.microsoft.com/office/drawing/2014/main" id="{250B2FD2-56E2-857D-05A8-8B6CD1F69A6D}"/>
+                <a16:creationId xmlns:a16="http://schemas.microsoft.com/office/drawing/2014/main" id="{ED269BAC-DD6A-31A1-C513-5D2E603568CA}"/>
               </a:ext>
             </a:extLst>
           </p:cNvPr>
@@ -1933,7 +1933,7 @@
           <p:cNvPr id="3" name="日期占位符 2">
             <a:extLst>
               <a:ext uri="{FF2B5EF4-FFF2-40B4-BE49-F238E27FC236}">
-                <a16:creationId xmlns:a16="http://schemas.microsoft.com/office/drawing/2014/main" id="{590FA317-D9AD-8856-5C01-075F4A7146D0}"/>
+                <a16:creationId xmlns:a16="http://schemas.microsoft.com/office/drawing/2014/main" id="{6A34D51F-186B-6A98-B935-A596CCF27BB7}"/>
               </a:ext>
             </a:extLst>
           </p:cNvPr>
@@ -1949,7 +1949,7 @@
           <a:bodyPr/>
           <a:lstStyle/>
           <a:p>
-            <a:fld id="{CA048CBD-8DBB-4817-80E3-20E284E36B13}" type="datetimeFigureOut">
+            <a:fld id="{151133AB-E61D-496A-AF0E-073191ACEFD1}" type="datetimeFigureOut">
               <a:rPr lang="zh-CN" altLang="en-US" smtClean="0"/>
               <a:t>2024/3/10</a:t>
             </a:fld>
@@ -1962,7 +1962,7 @@
           <p:cNvPr id="4" name="页脚占位符 3">
             <a:extLst>
               <a:ext uri="{FF2B5EF4-FFF2-40B4-BE49-F238E27FC236}">
-                <a16:creationId xmlns:a16="http://schemas.microsoft.com/office/drawing/2014/main" id="{2F1F2D15-E8E6-5F92-AFFF-39B8B6A867C8}"/>
+                <a16:creationId xmlns:a16="http://schemas.microsoft.com/office/drawing/2014/main" id="{C273A372-ED49-03E8-567D-2BCCC26627B6}"/>
               </a:ext>
             </a:extLst>
           </p:cNvPr>
@@ -1987,7 +1987,7 @@
           <p:cNvPr id="5" name="灯片编号占位符 4">
             <a:extLst>
               <a:ext uri="{FF2B5EF4-FFF2-40B4-BE49-F238E27FC236}">
-                <a16:creationId xmlns:a16="http://schemas.microsoft.com/office/drawing/2014/main" id="{429A04D4-1F10-8F89-8659-17E82A84AC49}"/>
+                <a16:creationId xmlns:a16="http://schemas.microsoft.com/office/drawing/2014/main" id="{DB8060F3-1546-5E1C-A64C-B54231D7B807}"/>
               </a:ext>
             </a:extLst>
           </p:cNvPr>
@@ -2003,7 +2003,7 @@
           <a:bodyPr/>
           <a:lstStyle/>
           <a:p>
-            <a:fld id="{F3D6FFE5-CC55-4568-B57A-92AB8C185E76}" type="slidenum">
+            <a:fld id="{95C31E97-C7F2-42FA-BFD7-C96529B2464B}" type="slidenum">
               <a:rPr lang="zh-CN" altLang="en-US" smtClean="0"/>
               <a:t>‹#›</a:t>
             </a:fld>
@@ -2014,7 +2014,7 @@
     </p:spTree>
     <p:extLst>
       <p:ext uri="{BB962C8B-B14F-4D97-AF65-F5344CB8AC3E}">
-        <p14:creationId xmlns:p14="http://schemas.microsoft.com/office/powerpoint/2010/main" val="960425522"/>
+        <p14:creationId xmlns:p14="http://schemas.microsoft.com/office/powerpoint/2010/main" val="676794896"/>
       </p:ext>
     </p:extLst>
   </p:cSld>
@@ -2046,7 +2046,7 @@
           <p:cNvPr id="2" name="日期占位符 1">
             <a:extLst>
               <a:ext uri="{FF2B5EF4-FFF2-40B4-BE49-F238E27FC236}">
-                <a16:creationId xmlns:a16="http://schemas.microsoft.com/office/drawing/2014/main" id="{9A2A4FA3-B34A-7056-A4E8-67B76F354152}"/>
+                <a16:creationId xmlns:a16="http://schemas.microsoft.com/office/drawing/2014/main" id="{0E790663-8CBE-AD5E-35A6-1C9F3CE83223}"/>
               </a:ext>
             </a:extLst>
           </p:cNvPr>
@@ -2062,7 +2062,7 @@
           <a:bodyPr/>
           <a:lstStyle/>
           <a:p>
-            <a:fld id="{CA048CBD-8DBB-4817-80E3-20E284E36B13}" type="datetimeFigureOut">
+            <a:fld id="{151133AB-E61D-496A-AF0E-073191ACEFD1}" type="datetimeFigureOut">
               <a:rPr lang="zh-CN" altLang="en-US" smtClean="0"/>
               <a:t>2024/3/10</a:t>
             </a:fld>
@@ -2075,7 +2075,7 @@
           <p:cNvPr id="3" name="页脚占位符 2">
             <a:extLst>
               <a:ext uri="{FF2B5EF4-FFF2-40B4-BE49-F238E27FC236}">
-                <a16:creationId xmlns:a16="http://schemas.microsoft.com/office/drawing/2014/main" id="{B2C9257F-7382-4296-0380-1B5CBE3831B1}"/>
+                <a16:creationId xmlns:a16="http://schemas.microsoft.com/office/drawing/2014/main" id="{7253D91F-9DAB-3032-176A-F9A7FF49861F}"/>
               </a:ext>
             </a:extLst>
           </p:cNvPr>
@@ -2100,7 +2100,7 @@
           <p:cNvPr id="4" name="灯片编号占位符 3">
             <a:extLst>
               <a:ext uri="{FF2B5EF4-FFF2-40B4-BE49-F238E27FC236}">
-                <a16:creationId xmlns:a16="http://schemas.microsoft.com/office/drawing/2014/main" id="{741EE31A-340E-F171-DD6F-841EDE658BE3}"/>
+                <a16:creationId xmlns:a16="http://schemas.microsoft.com/office/drawing/2014/main" id="{97EE0377-5D7E-7956-72B6-1FE485551FE3}"/>
               </a:ext>
             </a:extLst>
           </p:cNvPr>
@@ -2116,7 +2116,7 @@
           <a:bodyPr/>
           <a:lstStyle/>
           <a:p>
-            <a:fld id="{F3D6FFE5-CC55-4568-B57A-92AB8C185E76}" type="slidenum">
+            <a:fld id="{95C31E97-C7F2-42FA-BFD7-C96529B2464B}" type="slidenum">
               <a:rPr lang="zh-CN" altLang="en-US" smtClean="0"/>
               <a:t>‹#›</a:t>
             </a:fld>
@@ -2127,7 +2127,7 @@
     </p:spTree>
     <p:extLst>
       <p:ext uri="{BB962C8B-B14F-4D97-AF65-F5344CB8AC3E}">
-        <p14:creationId xmlns:p14="http://schemas.microsoft.com/office/powerpoint/2010/main" val="2546870055"/>
+        <p14:creationId xmlns:p14="http://schemas.microsoft.com/office/powerpoint/2010/main" val="2505091093"/>
       </p:ext>
     </p:extLst>
   </p:cSld>
@@ -2159,7 +2159,7 @@
           <p:cNvPr id="2" name="标题 1">
             <a:extLst>
               <a:ext uri="{FF2B5EF4-FFF2-40B4-BE49-F238E27FC236}">
-                <a16:creationId xmlns:a16="http://schemas.microsoft.com/office/drawing/2014/main" id="{43457585-790A-D6FE-9E11-22AD1B3C7F75}"/>
+                <a16:creationId xmlns:a16="http://schemas.microsoft.com/office/drawing/2014/main" id="{9DE0340E-42DC-C0C4-8981-6E5438470A30}"/>
               </a:ext>
             </a:extLst>
           </p:cNvPr>
@@ -2196,7 +2196,7 @@
           <p:cNvPr id="3" name="内容占位符 2">
             <a:extLst>
               <a:ext uri="{FF2B5EF4-FFF2-40B4-BE49-F238E27FC236}">
-                <a16:creationId xmlns:a16="http://schemas.microsoft.com/office/drawing/2014/main" id="{56E0AE5B-C1B3-ADC2-C9BC-48D1E372B69B}"/>
+                <a16:creationId xmlns:a16="http://schemas.microsoft.com/office/drawing/2014/main" id="{82A7EE46-32B1-7460-9E9F-D9194E64FD73}"/>
               </a:ext>
             </a:extLst>
           </p:cNvPr>
@@ -2286,7 +2286,7 @@
           <p:cNvPr id="4" name="文本占位符 3">
             <a:extLst>
               <a:ext uri="{FF2B5EF4-FFF2-40B4-BE49-F238E27FC236}">
-                <a16:creationId xmlns:a16="http://schemas.microsoft.com/office/drawing/2014/main" id="{70A0C0EB-3AF6-F819-56FE-BEF90E4493CF}"/>
+                <a16:creationId xmlns:a16="http://schemas.microsoft.com/office/drawing/2014/main" id="{5EF815FA-AFF2-C00D-4525-2E5FB3EFB6A6}"/>
               </a:ext>
             </a:extLst>
           </p:cNvPr>
@@ -2357,7 +2357,7 @@
           <p:cNvPr id="5" name="日期占位符 4">
             <a:extLst>
               <a:ext uri="{FF2B5EF4-FFF2-40B4-BE49-F238E27FC236}">
-                <a16:creationId xmlns:a16="http://schemas.microsoft.com/office/drawing/2014/main" id="{6D8F9A7B-1770-01AC-5380-277722DCBC64}"/>
+                <a16:creationId xmlns:a16="http://schemas.microsoft.com/office/drawing/2014/main" id="{800CB59A-3A9D-F4F2-D39D-2A8370E0BF31}"/>
               </a:ext>
             </a:extLst>
           </p:cNvPr>
@@ -2373,7 +2373,7 @@
           <a:bodyPr/>
           <a:lstStyle/>
           <a:p>
-            <a:fld id="{CA048CBD-8DBB-4817-80E3-20E284E36B13}" type="datetimeFigureOut">
+            <a:fld id="{151133AB-E61D-496A-AF0E-073191ACEFD1}" type="datetimeFigureOut">
               <a:rPr lang="zh-CN" altLang="en-US" smtClean="0"/>
               <a:t>2024/3/10</a:t>
             </a:fld>
@@ -2386,7 +2386,7 @@
           <p:cNvPr id="6" name="页脚占位符 5">
             <a:extLst>
               <a:ext uri="{FF2B5EF4-FFF2-40B4-BE49-F238E27FC236}">
-                <a16:creationId xmlns:a16="http://schemas.microsoft.com/office/drawing/2014/main" id="{A27BEBA6-07BC-B512-5FF0-2EC7B72EF82E}"/>
+                <a16:creationId xmlns:a16="http://schemas.microsoft.com/office/drawing/2014/main" id="{3AC8C345-45DC-E911-C7A1-5FAB7EB31030}"/>
               </a:ext>
             </a:extLst>
           </p:cNvPr>
@@ -2411,7 +2411,7 @@
           <p:cNvPr id="7" name="灯片编号占位符 6">
             <a:extLst>
               <a:ext uri="{FF2B5EF4-FFF2-40B4-BE49-F238E27FC236}">
-                <a16:creationId xmlns:a16="http://schemas.microsoft.com/office/drawing/2014/main" id="{345AB728-AF74-9956-11C1-562A96BB2BE0}"/>
+                <a16:creationId xmlns:a16="http://schemas.microsoft.com/office/drawing/2014/main" id="{A378DB28-4F74-A685-13F8-961401C6E2A1}"/>
               </a:ext>
             </a:extLst>
           </p:cNvPr>
@@ -2427,7 +2427,7 @@
           <a:bodyPr/>
           <a:lstStyle/>
           <a:p>
-            <a:fld id="{F3D6FFE5-CC55-4568-B57A-92AB8C185E76}" type="slidenum">
+            <a:fld id="{95C31E97-C7F2-42FA-BFD7-C96529B2464B}" type="slidenum">
               <a:rPr lang="zh-CN" altLang="en-US" smtClean="0"/>
               <a:t>‹#›</a:t>
             </a:fld>
@@ -2438,7 +2438,7 @@
     </p:spTree>
     <p:extLst>
       <p:ext uri="{BB962C8B-B14F-4D97-AF65-F5344CB8AC3E}">
-        <p14:creationId xmlns:p14="http://schemas.microsoft.com/office/powerpoint/2010/main" val="3236960429"/>
+        <p14:creationId xmlns:p14="http://schemas.microsoft.com/office/powerpoint/2010/main" val="246163088"/>
       </p:ext>
     </p:extLst>
   </p:cSld>
@@ -2470,7 +2470,7 @@
           <p:cNvPr id="2" name="标题 1">
             <a:extLst>
               <a:ext uri="{FF2B5EF4-FFF2-40B4-BE49-F238E27FC236}">
-                <a16:creationId xmlns:a16="http://schemas.microsoft.com/office/drawing/2014/main" id="{1F46F053-F053-F5F7-56A9-AD4DC29E70A3}"/>
+                <a16:creationId xmlns:a16="http://schemas.microsoft.com/office/drawing/2014/main" id="{97B190AC-2D32-9BF0-2876-D1499A2E85DB}"/>
               </a:ext>
             </a:extLst>
           </p:cNvPr>
@@ -2507,7 +2507,7 @@
           <p:cNvPr id="3" name="图片占位符 2">
             <a:extLst>
               <a:ext uri="{FF2B5EF4-FFF2-40B4-BE49-F238E27FC236}">
-                <a16:creationId xmlns:a16="http://schemas.microsoft.com/office/drawing/2014/main" id="{B6EE74BF-0952-F35C-1FF8-B3DB035A3B71}"/>
+                <a16:creationId xmlns:a16="http://schemas.microsoft.com/office/drawing/2014/main" id="{09A6F8AF-098B-9DC8-EA1C-5B6F9E283FC0}"/>
               </a:ext>
             </a:extLst>
           </p:cNvPr>
@@ -2574,7 +2574,7 @@
           <p:cNvPr id="4" name="文本占位符 3">
             <a:extLst>
               <a:ext uri="{FF2B5EF4-FFF2-40B4-BE49-F238E27FC236}">
-                <a16:creationId xmlns:a16="http://schemas.microsoft.com/office/drawing/2014/main" id="{84ECA052-4C5D-6092-686D-3E7389A98001}"/>
+                <a16:creationId xmlns:a16="http://schemas.microsoft.com/office/drawing/2014/main" id="{0D92CBB1-D803-0530-5A45-1BA380BA63E2}"/>
               </a:ext>
             </a:extLst>
           </p:cNvPr>
@@ -2645,7 +2645,7 @@
           <p:cNvPr id="5" name="日期占位符 4">
             <a:extLst>
               <a:ext uri="{FF2B5EF4-FFF2-40B4-BE49-F238E27FC236}">
-                <a16:creationId xmlns:a16="http://schemas.microsoft.com/office/drawing/2014/main" id="{CD432651-9C9B-A3FD-F4B5-C1D51D6E8F89}"/>
+                <a16:creationId xmlns:a16="http://schemas.microsoft.com/office/drawing/2014/main" id="{04FB69F2-17C4-3779-5714-A1CB5B2902E3}"/>
               </a:ext>
             </a:extLst>
           </p:cNvPr>
@@ -2661,7 +2661,7 @@
           <a:bodyPr/>
           <a:lstStyle/>
           <a:p>
-            <a:fld id="{CA048CBD-8DBB-4817-80E3-20E284E36B13}" type="datetimeFigureOut">
+            <a:fld id="{151133AB-E61D-496A-AF0E-073191ACEFD1}" type="datetimeFigureOut">
               <a:rPr lang="zh-CN" altLang="en-US" smtClean="0"/>
               <a:t>2024/3/10</a:t>
             </a:fld>
@@ -2674,7 +2674,7 @@
           <p:cNvPr id="6" name="页脚占位符 5">
             <a:extLst>
               <a:ext uri="{FF2B5EF4-FFF2-40B4-BE49-F238E27FC236}">
-                <a16:creationId xmlns:a16="http://schemas.microsoft.com/office/drawing/2014/main" id="{E7D3E96C-A17C-BF04-BDB7-EAC0B257BEED}"/>
+                <a16:creationId xmlns:a16="http://schemas.microsoft.com/office/drawing/2014/main" id="{F87DD590-D793-A212-8575-CD3E2358F72F}"/>
               </a:ext>
             </a:extLst>
           </p:cNvPr>
@@ -2699,7 +2699,7 @@
           <p:cNvPr id="7" name="灯片编号占位符 6">
             <a:extLst>
               <a:ext uri="{FF2B5EF4-FFF2-40B4-BE49-F238E27FC236}">
-                <a16:creationId xmlns:a16="http://schemas.microsoft.com/office/drawing/2014/main" id="{083FE2DB-5375-E246-96B3-7361E929EE8C}"/>
+                <a16:creationId xmlns:a16="http://schemas.microsoft.com/office/drawing/2014/main" id="{6AF29637-9386-B414-BA73-0D55152BA1A6}"/>
               </a:ext>
             </a:extLst>
           </p:cNvPr>
@@ -2715,7 +2715,7 @@
           <a:bodyPr/>
           <a:lstStyle/>
           <a:p>
-            <a:fld id="{F3D6FFE5-CC55-4568-B57A-92AB8C185E76}" type="slidenum">
+            <a:fld id="{95C31E97-C7F2-42FA-BFD7-C96529B2464B}" type="slidenum">
               <a:rPr lang="zh-CN" altLang="en-US" smtClean="0"/>
               <a:t>‹#›</a:t>
             </a:fld>
@@ -2726,7 +2726,7 @@
     </p:spTree>
     <p:extLst>
       <p:ext uri="{BB962C8B-B14F-4D97-AF65-F5344CB8AC3E}">
-        <p14:creationId xmlns:p14="http://schemas.microsoft.com/office/powerpoint/2010/main" val="3626843736"/>
+        <p14:creationId xmlns:p14="http://schemas.microsoft.com/office/powerpoint/2010/main" val="3015384274"/>
       </p:ext>
     </p:extLst>
   </p:cSld>
@@ -2763,7 +2763,7 @@
           <p:cNvPr id="2" name="标题占位符 1">
             <a:extLst>
               <a:ext uri="{FF2B5EF4-FFF2-40B4-BE49-F238E27FC236}">
-                <a16:creationId xmlns:a16="http://schemas.microsoft.com/office/drawing/2014/main" id="{3C4A23B9-D84D-1F28-B9D8-79ECA4C052A0}"/>
+                <a16:creationId xmlns:a16="http://schemas.microsoft.com/office/drawing/2014/main" id="{CD54D3EB-FD0E-7C4B-A8F7-92A16ACD91DD}"/>
               </a:ext>
             </a:extLst>
           </p:cNvPr>
@@ -2801,7 +2801,7 @@
           <p:cNvPr id="3" name="文本占位符 2">
             <a:extLst>
               <a:ext uri="{FF2B5EF4-FFF2-40B4-BE49-F238E27FC236}">
-                <a16:creationId xmlns:a16="http://schemas.microsoft.com/office/drawing/2014/main" id="{5CAB6DFD-3A29-C070-3A70-8133466CD38C}"/>
+                <a16:creationId xmlns:a16="http://schemas.microsoft.com/office/drawing/2014/main" id="{D35034E3-914B-A922-AD1F-52F25F511A8E}"/>
               </a:ext>
             </a:extLst>
           </p:cNvPr>
@@ -2868,7 +2868,7 @@
           <p:cNvPr id="4" name="日期占位符 3">
             <a:extLst>
               <a:ext uri="{FF2B5EF4-FFF2-40B4-BE49-F238E27FC236}">
-                <a16:creationId xmlns:a16="http://schemas.microsoft.com/office/drawing/2014/main" id="{4100C7B3-A788-B0BE-6B76-4E98304402A0}"/>
+                <a16:creationId xmlns:a16="http://schemas.microsoft.com/office/drawing/2014/main" id="{1E98C757-9E4D-8B3E-D306-A9840DA29FBD}"/>
               </a:ext>
             </a:extLst>
           </p:cNvPr>
@@ -2902,7 +2902,7 @@
             </a:lvl1pPr>
           </a:lstStyle>
           <a:p>
-            <a:fld id="{CA048CBD-8DBB-4817-80E3-20E284E36B13}" type="datetimeFigureOut">
+            <a:fld id="{151133AB-E61D-496A-AF0E-073191ACEFD1}" type="datetimeFigureOut">
               <a:rPr lang="zh-CN" altLang="en-US" smtClean="0"/>
               <a:t>2024/3/10</a:t>
             </a:fld>
@@ -2915,7 +2915,7 @@
           <p:cNvPr id="5" name="页脚占位符 4">
             <a:extLst>
               <a:ext uri="{FF2B5EF4-FFF2-40B4-BE49-F238E27FC236}">
-                <a16:creationId xmlns:a16="http://schemas.microsoft.com/office/drawing/2014/main" id="{A36E41A5-01FE-1446-988C-7613F4223B81}"/>
+                <a16:creationId xmlns:a16="http://schemas.microsoft.com/office/drawing/2014/main" id="{57222C9F-7FD4-7E87-19FC-79320B419453}"/>
               </a:ext>
             </a:extLst>
           </p:cNvPr>
@@ -2958,7 +2958,7 @@
           <p:cNvPr id="6" name="灯片编号占位符 5">
             <a:extLst>
               <a:ext uri="{FF2B5EF4-FFF2-40B4-BE49-F238E27FC236}">
-                <a16:creationId xmlns:a16="http://schemas.microsoft.com/office/drawing/2014/main" id="{5FFA3C04-307C-D285-DA50-63942577C1E5}"/>
+                <a16:creationId xmlns:a16="http://schemas.microsoft.com/office/drawing/2014/main" id="{63332B9A-6DE2-6FF4-22E7-344BE2350DD1}"/>
               </a:ext>
             </a:extLst>
           </p:cNvPr>
@@ -2992,7 +2992,7 @@
             </a:lvl1pPr>
           </a:lstStyle>
           <a:p>
-            <a:fld id="{F3D6FFE5-CC55-4568-B57A-92AB8C185E76}" type="slidenum">
+            <a:fld id="{95C31E97-C7F2-42FA-BFD7-C96529B2464B}" type="slidenum">
               <a:rPr lang="zh-CN" altLang="en-US" smtClean="0"/>
               <a:t>‹#›</a:t>
             </a:fld>
@@ -3003,7 +3003,7 @@
     </p:spTree>
     <p:extLst>
       <p:ext uri="{BB962C8B-B14F-4D97-AF65-F5344CB8AC3E}">
-        <p14:creationId xmlns:p14="http://schemas.microsoft.com/office/powerpoint/2010/main" val="1906776960"/>
+        <p14:creationId xmlns:p14="http://schemas.microsoft.com/office/powerpoint/2010/main" val="1198035492"/>
       </p:ext>
     </p:extLst>
   </p:cSld>
